--- a/slides/session11.pptx
+++ b/slides/session11.pptx
@@ -52,8 +52,8 @@
     <p:sldId id="767" r:id="rId40"/>
     <p:sldId id="768" r:id="rId41"/>
     <p:sldId id="769" r:id="rId42"/>
-    <p:sldId id="770" r:id="rId43"/>
-    <p:sldId id="771" r:id="rId44"/>
+    <p:sldId id="771" r:id="rId43"/>
+    <p:sldId id="770" r:id="rId44"/>
     <p:sldId id="772" r:id="rId45"/>
     <p:sldId id="778" r:id="rId46"/>
   </p:sldIdLst>
@@ -33071,7 +33071,7 @@
           <a:graphicData uri="http://schemas.openxmlformats.org/presentationml/2006/ole">
             <mc:AlternateContent xmlns:mc="http://schemas.openxmlformats.org/markup-compatibility/2006">
               <mc:Choice xmlns:v="urn:schemas-microsoft-com:vml" Requires="v">
-                <p:oleObj spid="_x0000_s63725" name="Equation" r:id="rId4" imgW="1091880" imgH="431640" progId="Equation.3">
+                <p:oleObj spid="_x0000_s63741" name="Equation" r:id="rId4" imgW="1091880" imgH="431640" progId="Equation.3">
                   <p:embed/>
                 </p:oleObj>
               </mc:Choice>
@@ -33174,7 +33174,7 @@
           <a:graphicData uri="http://schemas.openxmlformats.org/presentationml/2006/ole">
             <mc:AlternateContent xmlns:mc="http://schemas.openxmlformats.org/markup-compatibility/2006">
               <mc:Choice xmlns:v="urn:schemas-microsoft-com:vml" Requires="v">
-                <p:oleObj spid="_x0000_s63726" name="Equation" r:id="rId6" imgW="291960" imgH="241200" progId="Equation.3">
+                <p:oleObj spid="_x0000_s63742" name="Equation" r:id="rId6" imgW="291960" imgH="241200" progId="Equation.3">
                   <p:embed/>
                 </p:oleObj>
               </mc:Choice>
@@ -33277,7 +33277,7 @@
           <a:graphicData uri="http://schemas.openxmlformats.org/presentationml/2006/ole">
             <mc:AlternateContent xmlns:mc="http://schemas.openxmlformats.org/markup-compatibility/2006">
               <mc:Choice xmlns:v="urn:schemas-microsoft-com:vml" Requires="v">
-                <p:oleObj spid="_x0000_s63727" name="Equation" r:id="rId8" imgW="253800" imgH="241200" progId="Equation.3">
+                <p:oleObj spid="_x0000_s63743" name="Equation" r:id="rId8" imgW="253800" imgH="241200" progId="Equation.3">
                   <p:embed/>
                 </p:oleObj>
               </mc:Choice>
@@ -33380,7 +33380,7 @@
           <a:graphicData uri="http://schemas.openxmlformats.org/presentationml/2006/ole">
             <mc:AlternateContent xmlns:mc="http://schemas.openxmlformats.org/markup-compatibility/2006">
               <mc:Choice xmlns:v="urn:schemas-microsoft-com:vml" Requires="v">
-                <p:oleObj spid="_x0000_s63728" name="Equation" r:id="rId10" imgW="177480" imgH="177480" progId="Equation.3">
+                <p:oleObj spid="_x0000_s63744" name="Equation" r:id="rId10" imgW="177480" imgH="177480" progId="Equation.3">
                   <p:embed/>
                 </p:oleObj>
               </mc:Choice>
@@ -33483,7 +33483,7 @@
           <a:graphicData uri="http://schemas.openxmlformats.org/presentationml/2006/ole">
             <mc:AlternateContent xmlns:mc="http://schemas.openxmlformats.org/markup-compatibility/2006">
               <mc:Choice xmlns:v="urn:schemas-microsoft-com:vml" Requires="v">
-                <p:oleObj spid="_x0000_s63729" name="Equation" r:id="rId12" imgW="152280" imgH="228600" progId="Equation.3">
+                <p:oleObj spid="_x0000_s63745" name="Equation" r:id="rId12" imgW="152280" imgH="228600" progId="Equation.3">
                   <p:embed/>
                 </p:oleObj>
               </mc:Choice>
@@ -38644,7 +38644,6 @@
               <a:rPr lang="en-US" dirty="0" smtClean="0"/>
               <a:t>Yippy</a:t>
             </a:r>
-            <a:endParaRPr lang="en-US" dirty="0" smtClean="0"/>
           </a:p>
           <a:p>
             <a:r>
@@ -49009,7 +49008,7 @@
       </p:grpSpPr>
       <p:sp>
         <p:nvSpPr>
-          <p:cNvPr id="49154" name="Rectangle 4"/>
+          <p:cNvPr id="50178" name="Rectangle 4"/>
           <p:cNvSpPr>
             <a:spLocks noGrp="1" noChangeArrowheads="1"/>
           </p:cNvSpPr>
@@ -49024,7 +49023,7 @@
           <a:p>
             <a:r>
               <a:rPr lang="en-US" dirty="0" smtClean="0"/>
-              <a:t>Quantitative User Studies</a:t>
+              <a:t>Qualitative User Studies</a:t>
             </a:r>
             <a:endParaRPr lang="en-US" dirty="0"/>
           </a:p>
@@ -49032,7 +49031,7 @@
       </p:sp>
       <p:sp>
         <p:nvSpPr>
-          <p:cNvPr id="49155" name="Rectangle 5"/>
+          <p:cNvPr id="50179" name="Rectangle 5"/>
           <p:cNvSpPr>
             <a:spLocks noGrp="1" noChangeArrowheads="1"/>
           </p:cNvSpPr>
@@ -49047,53 +49046,13 @@
           <a:p>
             <a:r>
               <a:rPr lang="en-US" smtClean="0"/>
-              <a:t>Select independent variable(s)</a:t>
-            </a:r>
-          </a:p>
-          <a:p>
-            <a:pPr lvl="1"/>
+              <a:t>Direct observation</a:t>
+            </a:r>
+          </a:p>
+          <a:p>
             <a:r>
               <a:rPr lang="en-US" smtClean="0"/>
-              <a:t>E.g., what info to display in selection interface</a:t>
-            </a:r>
-          </a:p>
-          <a:p>
-            <a:r>
-              <a:rPr lang="en-US" smtClean="0"/>
-              <a:t>Select dependent variable(s)</a:t>
-            </a:r>
-          </a:p>
-          <a:p>
-            <a:pPr lvl="1"/>
-            <a:r>
-              <a:rPr lang="en-US" smtClean="0"/>
-              <a:t>E.g., time to find a known relevant document</a:t>
-            </a:r>
-          </a:p>
-          <a:p>
-            <a:r>
-              <a:rPr lang="en-US" smtClean="0"/>
-              <a:t>Run subjects in different orders</a:t>
-            </a:r>
-          </a:p>
-          <a:p>
-            <a:pPr lvl="1"/>
-            <a:r>
-              <a:rPr lang="en-US" smtClean="0"/>
-              <a:t>Average out learning and fatigue effects</a:t>
-            </a:r>
-          </a:p>
-          <a:p>
-            <a:r>
-              <a:rPr lang="en-US" smtClean="0"/>
-              <a:t>Compute statistical significance</a:t>
-            </a:r>
-          </a:p>
-          <a:p>
-            <a:pPr lvl="1"/>
-            <a:r>
-              <a:rPr lang="en-US" smtClean="0"/>
-              <a:t>Null hypothesis: independent variable has no effect</a:t>
+              <a:t>Think-aloud protocols</a:t>
             </a:r>
             <a:endParaRPr lang="en-US"/>
           </a:p>
@@ -49102,7 +49061,7 @@
     </p:spTree>
     <p:extLst>
       <p:ext uri="{BB962C8B-B14F-4D97-AF65-F5344CB8AC3E}">
-        <p14:creationId xmlns:p14="http://schemas.microsoft.com/office/powerpoint/2010/main" val="826274178"/>
+        <p14:creationId xmlns:p14="http://schemas.microsoft.com/office/powerpoint/2010/main" val="3982515661"/>
       </p:ext>
     </p:extLst>
   </p:cSld>
@@ -49138,7 +49097,7 @@
       </p:grpSpPr>
       <p:sp>
         <p:nvSpPr>
-          <p:cNvPr id="50178" name="Rectangle 4"/>
+          <p:cNvPr id="49154" name="Rectangle 4"/>
           <p:cNvSpPr>
             <a:spLocks noGrp="1" noChangeArrowheads="1"/>
           </p:cNvSpPr>
@@ -49153,7 +49112,7 @@
           <a:p>
             <a:r>
               <a:rPr lang="en-US" dirty="0" smtClean="0"/>
-              <a:t>Qualitative User Studies</a:t>
+              <a:t>Quantitative User Studies</a:t>
             </a:r>
             <a:endParaRPr lang="en-US" dirty="0"/>
           </a:p>
@@ -49161,7 +49120,7 @@
       </p:sp>
       <p:sp>
         <p:nvSpPr>
-          <p:cNvPr id="50179" name="Rectangle 5"/>
+          <p:cNvPr id="49155" name="Rectangle 5"/>
           <p:cNvSpPr>
             <a:spLocks noGrp="1" noChangeArrowheads="1"/>
           </p:cNvSpPr>
@@ -49176,13 +49135,53 @@
           <a:p>
             <a:r>
               <a:rPr lang="en-US" smtClean="0"/>
-              <a:t>Direct observation</a:t>
-            </a:r>
-          </a:p>
-          <a:p>
+              <a:t>Select independent variable(s)</a:t>
+            </a:r>
+          </a:p>
+          <a:p>
+            <a:pPr lvl="1"/>
             <a:r>
               <a:rPr lang="en-US" smtClean="0"/>
-              <a:t>Think-aloud protocols</a:t>
+              <a:t>E.g., what info to display in selection interface</a:t>
+            </a:r>
+          </a:p>
+          <a:p>
+            <a:r>
+              <a:rPr lang="en-US" smtClean="0"/>
+              <a:t>Select dependent variable(s)</a:t>
+            </a:r>
+          </a:p>
+          <a:p>
+            <a:pPr lvl="1"/>
+            <a:r>
+              <a:rPr lang="en-US" smtClean="0"/>
+              <a:t>E.g., time to find a known relevant document</a:t>
+            </a:r>
+          </a:p>
+          <a:p>
+            <a:r>
+              <a:rPr lang="en-US" smtClean="0"/>
+              <a:t>Run subjects in different orders</a:t>
+            </a:r>
+          </a:p>
+          <a:p>
+            <a:pPr lvl="1"/>
+            <a:r>
+              <a:rPr lang="en-US" smtClean="0"/>
+              <a:t>Average out learning and fatigue effects</a:t>
+            </a:r>
+          </a:p>
+          <a:p>
+            <a:r>
+              <a:rPr lang="en-US" smtClean="0"/>
+              <a:t>Compute statistical significance</a:t>
+            </a:r>
+          </a:p>
+          <a:p>
+            <a:pPr lvl="1"/>
+            <a:r>
+              <a:rPr lang="en-US" smtClean="0"/>
+              <a:t>Null hypothesis: independent variable has no effect</a:t>
             </a:r>
             <a:endParaRPr lang="en-US"/>
           </a:p>
@@ -49191,7 +49190,7 @@
     </p:spTree>
     <p:extLst>
       <p:ext uri="{BB962C8B-B14F-4D97-AF65-F5344CB8AC3E}">
-        <p14:creationId xmlns:p14="http://schemas.microsoft.com/office/powerpoint/2010/main" val="3982515661"/>
+        <p14:creationId xmlns:p14="http://schemas.microsoft.com/office/powerpoint/2010/main" val="826274178"/>
       </p:ext>
     </p:extLst>
   </p:cSld>
